--- a/students/K3243/Vargina_Alena/LR_1/Презентация - Варгина А К3243.pptx
+++ b/students/K3243/Vargina_Alena/LR_1/Презентация - Варгина А К3243.pptx
@@ -113,6 +113,11 @@
       </a:defRPr>
     </a:lvl9pPr>
   </p:defaultTextStyle>
+  <p:extLst>
+    <p:ext uri="{EFAFB233-063F-42B5-8137-9DF3F51BA10A}">
+      <p15:sldGuideLst xmlns:p15="http://schemas.microsoft.com/office/powerpoint/2012/main"/>
+    </p:ext>
+  </p:extLst>
 </p:presentation>
 </file>
 
@@ -7364,7 +7369,7 @@
           <a:p>
             <a:fld id="{4A8D24A4-5FEC-4062-8995-EB21925B3B40}" type="datetime1">
               <a:rPr lang="en-US" smtClean="0"/>
-              <a:t>3/5/2021</a:t>
+              <a:t>3/6/2021</a:t>
             </a:fld>
             <a:endParaRPr lang="en-US" sz="1000" dirty="0"/>
           </a:p>
@@ -7604,7 +7609,7 @@
           <a:p>
             <a:fld id="{4A8D24A4-5FEC-4062-8995-EB21925B3B40}" type="datetime1">
               <a:rPr lang="en-US" smtClean="0"/>
-              <a:t>3/5/2021</a:t>
+              <a:t>3/6/2021</a:t>
             </a:fld>
             <a:endParaRPr lang="en-US" sz="1000" dirty="0"/>
           </a:p>
@@ -7786,7 +7791,7 @@
           <a:p>
             <a:fld id="{4A8D24A4-5FEC-4062-8995-EB21925B3B40}" type="datetime1">
               <a:rPr lang="en-US" smtClean="0"/>
-              <a:t>3/5/2021</a:t>
+              <a:t>3/6/2021</a:t>
             </a:fld>
             <a:endParaRPr lang="en-US" sz="1000" dirty="0"/>
           </a:p>
@@ -7958,7 +7963,7 @@
           <a:p>
             <a:fld id="{4A8D24A4-5FEC-4062-8995-EB21925B3B40}" type="datetime1">
               <a:rPr lang="en-US" smtClean="0"/>
-              <a:t>3/5/2021</a:t>
+              <a:t>3/6/2021</a:t>
             </a:fld>
             <a:endParaRPr lang="en-US" sz="1000" dirty="0"/>
           </a:p>
@@ -8236,7 +8241,7 @@
           <a:p>
             <a:fld id="{4A8D24A4-5FEC-4062-8995-EB21925B3B40}" type="datetime1">
               <a:rPr lang="en-US" smtClean="0"/>
-              <a:t>3/5/2021</a:t>
+              <a:t>3/6/2021</a:t>
             </a:fld>
             <a:endParaRPr lang="en-US" sz="1000" dirty="0"/>
           </a:p>
@@ -9439,7 +9444,7 @@
           <a:p>
             <a:fld id="{4A8D24A4-5FEC-4062-8995-EB21925B3B40}" type="datetime1">
               <a:rPr lang="en-US" smtClean="0"/>
-              <a:t>3/5/2021</a:t>
+              <a:t>3/6/2021</a:t>
             </a:fld>
             <a:endParaRPr lang="en-US" sz="1000" dirty="0"/>
           </a:p>
@@ -9831,7 +9836,7 @@
           <a:p>
             <a:fld id="{4A8D24A4-5FEC-4062-8995-EB21925B3B40}" type="datetime1">
               <a:rPr lang="en-US" smtClean="0"/>
-              <a:t>3/5/2021</a:t>
+              <a:t>3/6/2021</a:t>
             </a:fld>
             <a:endParaRPr lang="en-US" sz="1000" dirty="0"/>
           </a:p>
@@ -9956,7 +9961,7 @@
           <a:p>
             <a:fld id="{4A8D24A4-5FEC-4062-8995-EB21925B3B40}" type="datetime1">
               <a:rPr lang="en-US" smtClean="0"/>
-              <a:t>3/5/2021</a:t>
+              <a:t>3/6/2021</a:t>
             </a:fld>
             <a:endParaRPr lang="en-US" sz="1000" dirty="0"/>
           </a:p>
@@ -10053,7 +10058,7 @@
           <a:p>
             <a:fld id="{4A8D24A4-5FEC-4062-8995-EB21925B3B40}" type="datetime1">
               <a:rPr lang="en-US" smtClean="0"/>
-              <a:t>3/5/2021</a:t>
+              <a:t>3/6/2021</a:t>
             </a:fld>
             <a:endParaRPr lang="en-US" sz="1000" dirty="0"/>
           </a:p>
@@ -10818,7 +10823,7 @@
           <a:p>
             <a:fld id="{4A8D24A4-5FEC-4062-8995-EB21925B3B40}" type="datetime1">
               <a:rPr lang="en-US" smtClean="0"/>
-              <a:t>3/5/2021</a:t>
+              <a:t>3/6/2021</a:t>
             </a:fld>
             <a:endParaRPr lang="en-US" sz="1000" dirty="0"/>
           </a:p>
@@ -11660,7 +11665,7 @@
           <a:p>
             <a:fld id="{4A8D24A4-5FEC-4062-8995-EB21925B3B40}" type="datetime1">
               <a:rPr lang="en-US" smtClean="0"/>
-              <a:t>3/5/2021</a:t>
+              <a:t>3/6/2021</a:t>
             </a:fld>
             <a:endParaRPr lang="en-US" sz="1000" dirty="0"/>
           </a:p>
@@ -11889,7 +11894,7 @@
           <a:p>
             <a:fld id="{4A8D24A4-5FEC-4062-8995-EB21925B3B40}" type="datetime1">
               <a:rPr lang="en-US" smtClean="0"/>
-              <a:t>3/5/2021</a:t>
+              <a:t>3/6/2021</a:t>
             </a:fld>
             <a:endParaRPr lang="en-US" sz="1000" dirty="0"/>
           </a:p>
@@ -14286,7 +14291,7 @@
         </p:nvSpPr>
         <p:spPr>
           <a:xfrm>
-            <a:off x="6749271" y="1128451"/>
+            <a:off x="7116916" y="2759288"/>
             <a:ext cx="4680729" cy="4566609"/>
           </a:xfrm>
         </p:spPr>
@@ -14307,6 +14312,18 @@
               <a:t>Преподаватель: Говорова М.М.</a:t>
             </a:r>
           </a:p>
+          <a:p>
+            <a:endParaRPr lang="ru-RU" sz="2400" dirty="0"/>
+          </a:p>
+          <a:p>
+            <a:pPr marL="0" indent="0">
+              <a:buNone/>
+            </a:pPr>
+            <a:r>
+              <a:rPr lang="ru-RU" sz="2400" dirty="0"/>
+              <a:t>Национальный исследовательский университет ИТМО</a:t>
+            </a:r>
+          </a:p>
         </p:txBody>
       </p:sp>
     </p:spTree>
@@ -14319,13 +14336,13 @@
   <p:clrMapOvr>
     <a:masterClrMapping/>
   </p:clrMapOvr>
-  <mc:AlternateContent xmlns:mc="http://schemas.openxmlformats.org/markup-compatibility/2006">
-    <mc:Choice xmlns:p14="http://schemas.microsoft.com/office/powerpoint/2010/main" Requires="p14">
+  <mc:AlternateContent xmlns:mc="http://schemas.openxmlformats.org/markup-compatibility/2006" xmlns:p14="http://schemas.microsoft.com/office/powerpoint/2010/main">
+    <mc:Choice Requires="p14">
       <p:transition spd="med" p14:dur="700">
         <p:fade/>
       </p:transition>
     </mc:Choice>
-    <mc:Fallback>
+    <mc:Fallback xmlns="">
       <p:transition spd="med">
         <p:fade/>
       </p:transition>
@@ -14572,38 +14589,6 @@
           </a:fontRef>
         </p:style>
       </p:cxnSp>
-      <p:sp>
-        <p:nvSpPr>
-          <p:cNvPr id="3" name="Объект 2">
-            <a:extLst>
-              <a:ext uri="{FF2B5EF4-FFF2-40B4-BE49-F238E27FC236}">
-                <a16:creationId xmlns:a16="http://schemas.microsoft.com/office/drawing/2014/main" id="{9D00EF26-A359-46A5-8931-B06737EE7A79}"/>
-              </a:ext>
-            </a:extLst>
-          </p:cNvPr>
-          <p:cNvSpPr>
-            <a:spLocks noGrp="1"/>
-          </p:cNvSpPr>
-          <p:nvPr>
-            <p:ph idx="1"/>
-          </p:nvPr>
-        </p:nvSpPr>
-        <p:spPr>
-          <a:xfrm>
-            <a:off x="761996" y="2286001"/>
-            <a:ext cx="8009767" cy="3593592"/>
-          </a:xfrm>
-        </p:spPr>
-        <p:txBody>
-          <a:bodyPr>
-            <a:normAutofit/>
-          </a:bodyPr>
-          <a:lstStyle/>
-          <a:p>
-            <a:endParaRPr lang="ru-RU"/>
-          </a:p>
-        </p:txBody>
-      </p:sp>
     </p:spTree>
     <p:extLst>
       <p:ext uri="{BB962C8B-B14F-4D97-AF65-F5344CB8AC3E}">
@@ -14614,13 +14599,13 @@
   <p:clrMapOvr>
     <a:masterClrMapping/>
   </p:clrMapOvr>
-  <mc:AlternateContent xmlns:mc="http://schemas.openxmlformats.org/markup-compatibility/2006">
-    <mc:Choice xmlns:p14="http://schemas.microsoft.com/office/powerpoint/2010/main" Requires="p14">
+  <mc:AlternateContent xmlns:mc="http://schemas.openxmlformats.org/markup-compatibility/2006" xmlns:p14="http://schemas.microsoft.com/office/powerpoint/2010/main">
+    <mc:Choice Requires="p14">
       <p:transition spd="med" p14:dur="700">
         <p:fade/>
       </p:transition>
     </mc:Choice>
-    <mc:Fallback>
+    <mc:Fallback xmlns="">
       <p:transition spd="med">
         <p:fade/>
       </p:transition>
@@ -17733,13 +17718,13 @@
   <p:clrMapOvr>
     <a:masterClrMapping/>
   </p:clrMapOvr>
-  <mc:AlternateContent xmlns:mc="http://schemas.openxmlformats.org/markup-compatibility/2006">
-    <mc:Choice xmlns:p14="http://schemas.microsoft.com/office/powerpoint/2010/main" Requires="p14">
+  <mc:AlternateContent xmlns:mc="http://schemas.openxmlformats.org/markup-compatibility/2006" xmlns:p14="http://schemas.microsoft.com/office/powerpoint/2010/main">
+    <mc:Choice Requires="p14">
       <p:transition spd="med" p14:dur="700">
         <p:fade/>
       </p:transition>
     </mc:Choice>
-    <mc:Fallback>
+    <mc:Fallback xmlns="">
       <p:transition spd="med">
         <p:fade/>
       </p:transition>
@@ -17939,13 +17924,13 @@
   <p:clrMapOvr>
     <a:masterClrMapping/>
   </p:clrMapOvr>
-  <mc:AlternateContent xmlns:mc="http://schemas.openxmlformats.org/markup-compatibility/2006">
-    <mc:Choice xmlns:p14="http://schemas.microsoft.com/office/powerpoint/2010/main" Requires="p14">
+  <mc:AlternateContent xmlns:mc="http://schemas.openxmlformats.org/markup-compatibility/2006" xmlns:p14="http://schemas.microsoft.com/office/powerpoint/2010/main">
+    <mc:Choice Requires="p14">
       <p:transition spd="med" p14:dur="700">
         <p:fade/>
       </p:transition>
     </mc:Choice>
-    <mc:Fallback>
+    <mc:Fallback xmlns="">
       <p:transition spd="med">
         <p:fade/>
       </p:transition>
@@ -18750,13 +18735,13 @@
   <p:clrMapOvr>
     <a:masterClrMapping/>
   </p:clrMapOvr>
-  <mc:AlternateContent xmlns:mc="http://schemas.openxmlformats.org/markup-compatibility/2006">
-    <mc:Choice xmlns:p14="http://schemas.microsoft.com/office/powerpoint/2010/main" Requires="p14">
+  <mc:AlternateContent xmlns:mc="http://schemas.openxmlformats.org/markup-compatibility/2006" xmlns:p14="http://schemas.microsoft.com/office/powerpoint/2010/main">
+    <mc:Choice Requires="p14">
       <p:transition spd="med" p14:dur="700">
         <p:fade/>
       </p:transition>
     </mc:Choice>
-    <mc:Fallback>
+    <mc:Fallback xmlns="">
       <p:transition spd="med">
         <p:fade/>
       </p:transition>
@@ -18831,13 +18816,13 @@
   <p:clrMapOvr>
     <a:masterClrMapping/>
   </p:clrMapOvr>
-  <mc:AlternateContent xmlns:mc="http://schemas.openxmlformats.org/markup-compatibility/2006">
-    <mc:Choice xmlns:p14="http://schemas.microsoft.com/office/powerpoint/2010/main" Requires="p14">
+  <mc:AlternateContent xmlns:mc="http://schemas.openxmlformats.org/markup-compatibility/2006" xmlns:p14="http://schemas.microsoft.com/office/powerpoint/2010/main">
+    <mc:Choice Requires="p14">
       <p:transition spd="med" p14:dur="700">
         <p:fade/>
       </p:transition>
     </mc:Choice>
-    <mc:Fallback>
+    <mc:Fallback xmlns="">
       <p:transition spd="med">
         <p:fade/>
       </p:transition>
@@ -20770,13 +20755,13 @@
   <p:clrMapOvr>
     <a:masterClrMapping/>
   </p:clrMapOvr>
-  <mc:AlternateContent xmlns:mc="http://schemas.openxmlformats.org/markup-compatibility/2006">
-    <mc:Choice xmlns:p14="http://schemas.microsoft.com/office/powerpoint/2010/main" Requires="p14">
+  <mc:AlternateContent xmlns:mc="http://schemas.openxmlformats.org/markup-compatibility/2006" xmlns:p14="http://schemas.microsoft.com/office/powerpoint/2010/main">
+    <mc:Choice Requires="p14">
       <p:transition spd="med" p14:dur="700">
         <p:fade/>
       </p:transition>
     </mc:Choice>
-    <mc:Fallback>
+    <mc:Fallback xmlns="">
       <p:transition spd="med">
         <p:fade/>
       </p:transition>
@@ -22713,13 +22698,13 @@
   <p:clrMapOvr>
     <a:masterClrMapping/>
   </p:clrMapOvr>
-  <mc:AlternateContent xmlns:mc="http://schemas.openxmlformats.org/markup-compatibility/2006">
-    <mc:Choice xmlns:p14="http://schemas.microsoft.com/office/powerpoint/2010/main" Requires="p14">
+  <mc:AlternateContent xmlns:mc="http://schemas.openxmlformats.org/markup-compatibility/2006" xmlns:p14="http://schemas.microsoft.com/office/powerpoint/2010/main">
+    <mc:Choice Requires="p14">
       <p:transition spd="med" p14:dur="700">
         <p:fade/>
       </p:transition>
     </mc:Choice>
-    <mc:Fallback>
+    <mc:Fallback xmlns="">
       <p:transition spd="med">
         <p:fade/>
       </p:transition>
@@ -23013,13 +22998,13 @@
   <p:clrMapOvr>
     <a:masterClrMapping/>
   </p:clrMapOvr>
-  <mc:AlternateContent xmlns:mc="http://schemas.openxmlformats.org/markup-compatibility/2006">
-    <mc:Choice xmlns:p14="http://schemas.microsoft.com/office/powerpoint/2010/main" Requires="p14">
+  <mc:AlternateContent xmlns:mc="http://schemas.openxmlformats.org/markup-compatibility/2006" xmlns:p14="http://schemas.microsoft.com/office/powerpoint/2010/main">
+    <mc:Choice Requires="p14">
       <p:transition spd="med" p14:dur="700">
         <p:fade/>
       </p:transition>
     </mc:Choice>
-    <mc:Fallback>
+    <mc:Fallback xmlns="">
       <p:transition spd="med">
         <p:fade/>
       </p:transition>
@@ -23279,13 +23264,13 @@
   <p:clrMapOvr>
     <a:masterClrMapping/>
   </p:clrMapOvr>
-  <mc:AlternateContent xmlns:mc="http://schemas.openxmlformats.org/markup-compatibility/2006">
-    <mc:Choice xmlns:p14="http://schemas.microsoft.com/office/powerpoint/2010/main" Requires="p14">
+  <mc:AlternateContent xmlns:mc="http://schemas.openxmlformats.org/markup-compatibility/2006" xmlns:p14="http://schemas.microsoft.com/office/powerpoint/2010/main">
+    <mc:Choice Requires="p14">
       <p:transition spd="med" p14:dur="700">
         <p:fade/>
       </p:transition>
     </mc:Choice>
-    <mc:Fallback>
+    <mc:Fallback xmlns="">
       <p:transition spd="med">
         <p:fade/>
       </p:transition>
